--- a/movie/Vorlage_Vor+Abspann.pptx
+++ b/movie/Vorlage_Vor+Abspann.pptx
@@ -1892,7 +1892,7 @@
           <a:p>
             <a:fld id="{C1540F64-199A-44CC-9470-B87DE39A59D7}" type="datetimeFigureOut">
               <a:rPr lang="de-CH" smtClean="0"/>
-              <a:t>13.01.2020</a:t>
+              <a:t>15.01.2020</a:t>
             </a:fld>
             <a:endParaRPr lang="de-CH"/>
           </a:p>
@@ -2209,7 +2209,7 @@
             </a:br>
             <a:r>
               <a:rPr lang="de-CH" sz="1400" dirty="0"/>
-              <a:t>Januar 2019</a:t>
+              <a:t>Januar 2020</a:t>
             </a:r>
           </a:p>
         </p:txBody>
